--- a/morea/020.WADT/ITM352_WADT.pptx
+++ b/morea/020.WADT/ITM352_WADT.pptx
@@ -5,7 +5,7 @@
     <p:sldMasterId id="2147483648" r:id="rId1"/>
   </p:sldMasterIdLst>
   <p:notesMasterIdLst>
-    <p:notesMasterId r:id="rId9"/>
+    <p:notesMasterId r:id="rId11"/>
   </p:notesMasterIdLst>
   <p:sldIdLst>
     <p:sldId id="256" r:id="rId2"/>
@@ -13,8 +13,10 @@
     <p:sldId id="294" r:id="rId4"/>
     <p:sldId id="297" r:id="rId5"/>
     <p:sldId id="295" r:id="rId6"/>
-    <p:sldId id="298" r:id="rId7"/>
-    <p:sldId id="299" r:id="rId8"/>
+    <p:sldId id="300" r:id="rId7"/>
+    <p:sldId id="301" r:id="rId8"/>
+    <p:sldId id="298" r:id="rId9"/>
+    <p:sldId id="299" r:id="rId10"/>
   </p:sldIdLst>
   <p:sldSz cx="9144000" cy="6858000" type="screen4x3"/>
   <p:notesSz cx="6858000" cy="9144000"/>
@@ -6688,7 +6690,7 @@
           <p:cNvPr id="2" name="Title 1">
             <a:extLst>
               <a:ext uri="{FF2B5EF4-FFF2-40B4-BE49-F238E27FC236}">
-                <a16:creationId xmlns:a16="http://schemas.microsoft.com/office/drawing/2014/main" id="{165606A1-DB77-C44F-895A-38001D762C21}"/>
+                <a16:creationId xmlns:a16="http://schemas.microsoft.com/office/drawing/2014/main" id="{FB435DA3-DB5F-3049-BCDE-BCFA8EF39F42}"/>
               </a:ext>
             </a:extLst>
           </p:cNvPr>
@@ -6706,7 +6708,7 @@
           <a:p>
             <a:r>
               <a:rPr lang="en-US" dirty="0"/>
-              <a:t>Node.js</a:t>
+              <a:t>Command Line (Terminal)</a:t>
             </a:r>
           </a:p>
         </p:txBody>
@@ -6716,7 +6718,7 @@
           <p:cNvPr id="3" name="Content Placeholder 2">
             <a:extLst>
               <a:ext uri="{FF2B5EF4-FFF2-40B4-BE49-F238E27FC236}">
-                <a16:creationId xmlns:a16="http://schemas.microsoft.com/office/drawing/2014/main" id="{565596D6-EF30-9F42-A514-6DC38B58710E}"/>
+                <a16:creationId xmlns:a16="http://schemas.microsoft.com/office/drawing/2014/main" id="{A2F13A3E-D722-7943-AD8D-5EC25D00CE21}"/>
               </a:ext>
             </a:extLst>
           </p:cNvPr>
@@ -6727,76 +6729,12 @@
             <p:ph idx="1"/>
           </p:nvPr>
         </p:nvSpPr>
-        <p:spPr>
-          <a:xfrm>
-            <a:off x="457200" y="1524000"/>
-            <a:ext cx="7766050" cy="4259263"/>
-          </a:xfrm>
-        </p:spPr>
+        <p:spPr/>
         <p:txBody>
           <a:bodyPr/>
           <a:lstStyle/>
           <a:p>
-            <a:pPr marL="457200" indent="-457200">
-              <a:buFont typeface="Arial" panose="020B0604020202020204" pitchFamily="34" charset="0"/>
-              <a:buChar char="•"/>
-            </a:pPr>
-            <a:r>
-              <a:rPr lang="en-US" sz="2800" dirty="0"/>
-              <a:t>Node.js enables you to execute </a:t>
-            </a:r>
-            <a:r>
-              <a:rPr lang="en-US" sz="2800" dirty="0" err="1"/>
-              <a:t>Javascript</a:t>
-            </a:r>
-            <a:r>
-              <a:rPr lang="en-US" sz="2800" dirty="0"/>
-              <a:t> “native” outside a browser</a:t>
-            </a:r>
-          </a:p>
-          <a:p>
-            <a:pPr marL="857250" lvl="1" indent="-457200">
-              <a:buFont typeface="Arial" panose="020B0604020202020204" pitchFamily="34" charset="0"/>
-              <a:buChar char="•"/>
-            </a:pPr>
-            <a:r>
-              <a:rPr lang="en-US" sz="2400" dirty="0"/>
-              <a:t>Access to the local resources such as file system and I/O devices</a:t>
-            </a:r>
-          </a:p>
-          <a:p>
-            <a:pPr marL="857250" lvl="1" indent="-457200">
-              <a:buFont typeface="Arial" panose="020B0604020202020204" pitchFamily="34" charset="0"/>
-              <a:buChar char="•"/>
-            </a:pPr>
-            <a:r>
-              <a:rPr lang="en-US" sz="2400" dirty="0"/>
-              <a:t>Will easily enable “microservices” which are applications that provide “services” by request over a network (usually a browser).</a:t>
-            </a:r>
-          </a:p>
-          <a:p>
-            <a:pPr marL="457200" indent="-457200">
-              <a:buFont typeface="Arial" panose="020B0604020202020204" pitchFamily="34" charset="0"/>
-              <a:buChar char="•"/>
-            </a:pPr>
-            <a:r>
-              <a:rPr lang="en-US" sz="2800" dirty="0"/>
-              <a:t>There are 1000s of components and applications you can use for free with Node.js via NPM</a:t>
-            </a:r>
-          </a:p>
-          <a:p>
-            <a:pPr marL="857250" lvl="1" indent="-457200">
-              <a:buFont typeface="Arial" panose="020B0604020202020204" pitchFamily="34" charset="0"/>
-              <a:buChar char="•"/>
-            </a:pPr>
-            <a:r>
-              <a:rPr lang="en-US" sz="2000" dirty="0"/>
-              <a:t>We will use </a:t>
-            </a:r>
-            <a:r>
-              <a:rPr lang="en-US" sz="2400" dirty="0"/>
-              <a:t>http-server at first, but more later!</a:t>
-            </a:r>
+            <a:endParaRPr lang="en-US"/>
           </a:p>
         </p:txBody>
       </p:sp>
@@ -6805,7 +6743,7 @@
           <p:cNvPr id="4" name="Rectangle 3">
             <a:extLst>
               <a:ext uri="{FF2B5EF4-FFF2-40B4-BE49-F238E27FC236}">
-                <a16:creationId xmlns:a16="http://schemas.microsoft.com/office/drawing/2014/main" id="{BBCB2151-2238-6847-B7E7-5A0A3799804B}"/>
+                <a16:creationId xmlns:a16="http://schemas.microsoft.com/office/drawing/2014/main" id="{35207312-8DB7-144E-BFB0-B848DB3BEB00}"/>
               </a:ext>
             </a:extLst>
           </p:cNvPr>
@@ -6814,51 +6752,7 @@
         </p:nvSpPr>
         <p:spPr>
           <a:xfrm>
-            <a:off x="1524000" y="6167735"/>
-            <a:ext cx="6467430" cy="400110"/>
-          </a:xfrm>
-          <a:prstGeom prst="rect">
-            <a:avLst/>
-          </a:prstGeom>
-        </p:spPr>
-        <p:txBody>
-          <a:bodyPr wrap="square">
-            <a:spAutoFit/>
-          </a:bodyPr>
-          <a:lstStyle/>
-          <a:p>
-            <a:pPr algn="ctr"/>
-            <a:r>
-              <a:rPr lang="en-GB" sz="2000" i="1" dirty="0">
-                <a:solidFill>
-                  <a:schemeClr val="tx1"/>
-                </a:solidFill>
-              </a:rPr>
-              <a:t>See About Node.js Reading in Introduction Module</a:t>
-            </a:r>
-            <a:endParaRPr lang="en-US" sz="2000" i="1" dirty="0">
-              <a:solidFill>
-                <a:schemeClr val="tx1"/>
-              </a:solidFill>
-            </a:endParaRPr>
-          </a:p>
-        </p:txBody>
-      </p:sp>
-      <p:sp>
-        <p:nvSpPr>
-          <p:cNvPr id="5" name="Rectangle 4">
-            <a:extLst>
-              <a:ext uri="{FF2B5EF4-FFF2-40B4-BE49-F238E27FC236}">
-                <a16:creationId xmlns:a16="http://schemas.microsoft.com/office/drawing/2014/main" id="{7929052D-81AF-D94D-9F0B-B291BF1DDA1E}"/>
-              </a:ext>
-            </a:extLst>
-          </p:cNvPr>
-          <p:cNvSpPr/>
-          <p:nvPr/>
-        </p:nvSpPr>
-        <p:spPr>
-          <a:xfrm>
-            <a:off x="3429000" y="6472535"/>
+            <a:off x="3250996" y="6490652"/>
             <a:ext cx="2635657" cy="461665"/>
           </a:xfrm>
           <a:prstGeom prst="rect">
@@ -6886,7 +6780,7 @@
     </p:spTree>
     <p:extLst>
       <p:ext uri="{BB962C8B-B14F-4D97-AF65-F5344CB8AC3E}">
-        <p14:creationId xmlns:p14="http://schemas.microsoft.com/office/powerpoint/2010/main" val="3878835008"/>
+        <p14:creationId xmlns:p14="http://schemas.microsoft.com/office/powerpoint/2010/main" val="3535214875"/>
       </p:ext>
     </p:extLst>
   </p:cSld>
@@ -6897,6 +6791,128 @@
 </file>
 
 <file path=ppt/slides/slide7.xml><?xml version="1.0" encoding="utf-8"?>
+<p:sld xmlns:a="http://schemas.openxmlformats.org/drawingml/2006/main" xmlns:r="http://schemas.openxmlformats.org/officeDocument/2006/relationships" xmlns:p="http://schemas.openxmlformats.org/presentationml/2006/main">
+  <p:cSld>
+    <p:spTree>
+      <p:nvGrpSpPr>
+        <p:cNvPr id="1" name=""/>
+        <p:cNvGrpSpPr/>
+        <p:nvPr/>
+      </p:nvGrpSpPr>
+      <p:grpSpPr>
+        <a:xfrm>
+          <a:off x="0" y="0"/>
+          <a:ext cx="0" cy="0"/>
+          <a:chOff x="0" y="0"/>
+          <a:chExt cx="0" cy="0"/>
+        </a:xfrm>
+      </p:grpSpPr>
+      <p:sp>
+        <p:nvSpPr>
+          <p:cNvPr id="2" name="Title 1">
+            <a:extLst>
+              <a:ext uri="{FF2B5EF4-FFF2-40B4-BE49-F238E27FC236}">
+                <a16:creationId xmlns:a16="http://schemas.microsoft.com/office/drawing/2014/main" id="{E0D6C2FC-1AD8-4F4D-BF21-A8A005416BD0}"/>
+              </a:ext>
+            </a:extLst>
+          </p:cNvPr>
+          <p:cNvSpPr>
+            <a:spLocks noGrp="1"/>
+          </p:cNvSpPr>
+          <p:nvPr>
+            <p:ph type="title"/>
+          </p:nvPr>
+        </p:nvSpPr>
+        <p:spPr/>
+        <p:txBody>
+          <a:bodyPr/>
+          <a:lstStyle/>
+          <a:p>
+            <a:r>
+              <a:rPr lang="en-US" dirty="0"/>
+              <a:t>JavaScript Browser Console</a:t>
+            </a:r>
+          </a:p>
+        </p:txBody>
+      </p:sp>
+      <p:sp>
+        <p:nvSpPr>
+          <p:cNvPr id="3" name="Content Placeholder 2">
+            <a:extLst>
+              <a:ext uri="{FF2B5EF4-FFF2-40B4-BE49-F238E27FC236}">
+                <a16:creationId xmlns:a16="http://schemas.microsoft.com/office/drawing/2014/main" id="{EA9B970F-1C3F-5A42-A2AA-28FE875F2B09}"/>
+              </a:ext>
+            </a:extLst>
+          </p:cNvPr>
+          <p:cNvSpPr>
+            <a:spLocks noGrp="1"/>
+          </p:cNvSpPr>
+          <p:nvPr>
+            <p:ph idx="1"/>
+          </p:nvPr>
+        </p:nvSpPr>
+        <p:spPr/>
+        <p:txBody>
+          <a:bodyPr/>
+          <a:lstStyle/>
+          <a:p>
+            <a:endParaRPr lang="en-US" dirty="0"/>
+          </a:p>
+        </p:txBody>
+      </p:sp>
+      <p:sp>
+        <p:nvSpPr>
+          <p:cNvPr id="4" name="Rectangle 3">
+            <a:extLst>
+              <a:ext uri="{FF2B5EF4-FFF2-40B4-BE49-F238E27FC236}">
+                <a16:creationId xmlns:a16="http://schemas.microsoft.com/office/drawing/2014/main" id="{5B27B66B-CE77-4947-A2CE-B032EA6BBC3A}"/>
+              </a:ext>
+            </a:extLst>
+          </p:cNvPr>
+          <p:cNvSpPr/>
+          <p:nvPr/>
+        </p:nvSpPr>
+        <p:spPr>
+          <a:xfrm>
+            <a:off x="3250996" y="6490652"/>
+            <a:ext cx="2635657" cy="461665"/>
+          </a:xfrm>
+          <a:prstGeom prst="rect">
+            <a:avLst/>
+          </a:prstGeom>
+        </p:spPr>
+        <p:txBody>
+          <a:bodyPr wrap="none">
+            <a:spAutoFit/>
+          </a:bodyPr>
+          <a:lstStyle/>
+          <a:p>
+            <a:pPr algn="ctr"/>
+            <a:r>
+              <a:rPr lang="en-US" dirty="0">
+                <a:solidFill>
+                  <a:srgbClr val="FF0000"/>
+                </a:solidFill>
+              </a:rPr>
+              <a:t>Do Lab Exercise #4</a:t>
+            </a:r>
+          </a:p>
+        </p:txBody>
+      </p:sp>
+    </p:spTree>
+    <p:extLst>
+      <p:ext uri="{BB962C8B-B14F-4D97-AF65-F5344CB8AC3E}">
+        <p14:creationId xmlns:p14="http://schemas.microsoft.com/office/powerpoint/2010/main" val="3287102485"/>
+      </p:ext>
+    </p:extLst>
+  </p:cSld>
+  <p:clrMapOvr>
+    <a:masterClrMapping/>
+  </p:clrMapOvr>
+</p:sld>
+</file>
+
+<file path=ppt/slides/slide8.xml><?xml version="1.0" encoding="utf-8"?>
 <p:sld xmlns:a="http://schemas.openxmlformats.org/drawingml/2006/main" xmlns:r="http://schemas.openxmlformats.org/officeDocument/2006/relationships" xmlns:p="http://schemas.openxmlformats.org/presentationml/2006/main">
   <p:cSld>
     <p:spTree>
@@ -6935,10 +6951,9 @@
           <a:lstStyle/>
           <a:p>
             <a:r>
-              <a:rPr lang="en-US" dirty="0" err="1"/>
-              <a:t>Cyberduck</a:t>
-            </a:r>
-            <a:endParaRPr lang="en-US" dirty="0"/>
+              <a:rPr lang="en-US" dirty="0"/>
+              <a:t>Node.js and Wen Servers</a:t>
+            </a:r>
           </a:p>
         </p:txBody>
       </p:sp>
@@ -6973,12 +6988,16 @@
               <a:buChar char="•"/>
             </a:pPr>
             <a:r>
+              <a:rPr lang="en-US" sz="2800" dirty="0"/>
+              <a:t>Node.js enables you to execute </a:t>
+            </a:r>
+            <a:r>
               <a:rPr lang="en-US" sz="2800" dirty="0" err="1"/>
-              <a:t>Cyberduck</a:t>
+              <a:t>Javascript</a:t>
             </a:r>
             <a:r>
               <a:rPr lang="en-US" sz="2800" dirty="0"/>
-              <a:t> is a graphical file transfer utility</a:t>
+              <a:t> “native” outside a browser</a:t>
             </a:r>
           </a:p>
           <a:p>
@@ -6988,7 +7007,7 @@
             </a:pPr>
             <a:r>
               <a:rPr lang="en-US" sz="2400" dirty="0"/>
-              <a:t>Get a file from a server</a:t>
+              <a:t>Access to the local resources such as file system and I/O devices</a:t>
             </a:r>
           </a:p>
           <a:p>
@@ -6998,7 +7017,17 @@
             </a:pPr>
             <a:r>
               <a:rPr lang="en-US" sz="2400" dirty="0"/>
-              <a:t>Put a file on a server</a:t>
+              <a:t>Will easily enable “microservices” which are applications that provide “services” by request over a network (usually a browser).</a:t>
+            </a:r>
+          </a:p>
+          <a:p>
+            <a:pPr marL="457200" indent="-457200">
+              <a:buFont typeface="Arial" panose="020B0604020202020204" pitchFamily="34" charset="0"/>
+              <a:buChar char="•"/>
+            </a:pPr>
+            <a:r>
+              <a:rPr lang="en-US" sz="2800" dirty="0"/>
+              <a:t>There are 1000s of components and applications you can use for free with Node.js via NPM</a:t>
             </a:r>
           </a:p>
           <a:p>
@@ -7007,55 +7036,9 @@
               <a:buChar char="•"/>
             </a:pPr>
             <a:r>
-              <a:rPr lang="en-US" sz="2400" dirty="0"/>
-              <a:t>You can use a different utility if you wish</a:t>
-            </a:r>
-          </a:p>
-          <a:p>
-            <a:pPr marL="857250" lvl="1" indent="-457200">
-              <a:buFont typeface="Arial" panose="020B0604020202020204" pitchFamily="34" charset="0"/>
-              <a:buChar char="•"/>
-            </a:pPr>
-            <a:endParaRPr lang="en-US" sz="2400" dirty="0"/>
-          </a:p>
-          <a:p>
-            <a:pPr marL="457200" indent="-457200">
-              <a:buFont typeface="Arial" panose="020B0604020202020204" pitchFamily="34" charset="0"/>
-              <a:buChar char="•"/>
-            </a:pPr>
-            <a:r>
-              <a:rPr lang="en-US" sz="2800" dirty="0"/>
-              <a:t>We will use this to deploy your web applications on the class server</a:t>
-            </a:r>
-          </a:p>
-          <a:p>
-            <a:pPr marL="857250" lvl="1" indent="-457200">
-              <a:buFont typeface="Arial" panose="020B0604020202020204" pitchFamily="34" charset="0"/>
-              <a:buChar char="•"/>
-            </a:pPr>
-            <a:r>
               <a:rPr lang="en-US" sz="2000" dirty="0"/>
-              <a:t>You will need SFTP access to </a:t>
-            </a:r>
-            <a:r>
-              <a:rPr lang="en-US" sz="2000" dirty="0" err="1"/>
-              <a:t>itm-vm.shidler.hawaii.edu</a:t>
-            </a:r>
-            <a:r>
-              <a:rPr lang="en-US" sz="2000" dirty="0"/>
-              <a:t>/itm352student</a:t>
-            </a:r>
-          </a:p>
-          <a:p>
-            <a:pPr marL="857250" lvl="1" indent="-457200">
-              <a:buFont typeface="Arial" panose="020B0604020202020204" pitchFamily="34" charset="0"/>
-              <a:buChar char="•"/>
-            </a:pPr>
-            <a:r>
-              <a:rPr lang="en-US" sz="2000" dirty="0"/>
-              <a:t>The instructor will give you the username, password, and port</a:t>
-            </a:r>
-            <a:endParaRPr lang="en-US" sz="2400" dirty="0"/>
+              <a:t>We will use the Express package at first, but more later</a:t>
+            </a:r>
           </a:p>
         </p:txBody>
       </p:sp>
@@ -7093,6 +7076,265 @@
                   <a:schemeClr val="tx1"/>
                 </a:solidFill>
               </a:rPr>
+              <a:t>See About Node.js Reading in Introduction Module</a:t>
+            </a:r>
+            <a:endParaRPr lang="en-US" sz="2000" i="1" dirty="0">
+              <a:solidFill>
+                <a:schemeClr val="tx1"/>
+              </a:solidFill>
+            </a:endParaRPr>
+          </a:p>
+        </p:txBody>
+      </p:sp>
+      <p:sp>
+        <p:nvSpPr>
+          <p:cNvPr id="5" name="Rectangle 4">
+            <a:extLst>
+              <a:ext uri="{FF2B5EF4-FFF2-40B4-BE49-F238E27FC236}">
+                <a16:creationId xmlns:a16="http://schemas.microsoft.com/office/drawing/2014/main" id="{7929052D-81AF-D94D-9F0B-B291BF1DDA1E}"/>
+              </a:ext>
+            </a:extLst>
+          </p:cNvPr>
+          <p:cNvSpPr/>
+          <p:nvPr/>
+        </p:nvSpPr>
+        <p:spPr>
+          <a:xfrm>
+            <a:off x="3428999" y="6472535"/>
+            <a:ext cx="2635658" cy="461665"/>
+          </a:xfrm>
+          <a:prstGeom prst="rect">
+            <a:avLst/>
+          </a:prstGeom>
+        </p:spPr>
+        <p:txBody>
+          <a:bodyPr wrap="none">
+            <a:spAutoFit/>
+          </a:bodyPr>
+          <a:lstStyle/>
+          <a:p>
+            <a:pPr algn="ctr"/>
+            <a:r>
+              <a:rPr lang="en-US" dirty="0">
+                <a:solidFill>
+                  <a:srgbClr val="FF0000"/>
+                </a:solidFill>
+              </a:rPr>
+              <a:t>Do Lab Exercise #5</a:t>
+            </a:r>
+          </a:p>
+        </p:txBody>
+      </p:sp>
+    </p:spTree>
+    <p:extLst>
+      <p:ext uri="{BB962C8B-B14F-4D97-AF65-F5344CB8AC3E}">
+        <p14:creationId xmlns:p14="http://schemas.microsoft.com/office/powerpoint/2010/main" val="3878835008"/>
+      </p:ext>
+    </p:extLst>
+  </p:cSld>
+  <p:clrMapOvr>
+    <a:masterClrMapping/>
+  </p:clrMapOvr>
+</p:sld>
+</file>
+
+<file path=ppt/slides/slide9.xml><?xml version="1.0" encoding="utf-8"?>
+<p:sld xmlns:a="http://schemas.openxmlformats.org/drawingml/2006/main" xmlns:r="http://schemas.openxmlformats.org/officeDocument/2006/relationships" xmlns:p="http://schemas.openxmlformats.org/presentationml/2006/main">
+  <p:cSld>
+    <p:spTree>
+      <p:nvGrpSpPr>
+        <p:cNvPr id="1" name=""/>
+        <p:cNvGrpSpPr/>
+        <p:nvPr/>
+      </p:nvGrpSpPr>
+      <p:grpSpPr>
+        <a:xfrm>
+          <a:off x="0" y="0"/>
+          <a:ext cx="0" cy="0"/>
+          <a:chOff x="0" y="0"/>
+          <a:chExt cx="0" cy="0"/>
+        </a:xfrm>
+      </p:grpSpPr>
+      <p:sp>
+        <p:nvSpPr>
+          <p:cNvPr id="2" name="Title 1">
+            <a:extLst>
+              <a:ext uri="{FF2B5EF4-FFF2-40B4-BE49-F238E27FC236}">
+                <a16:creationId xmlns:a16="http://schemas.microsoft.com/office/drawing/2014/main" id="{165606A1-DB77-C44F-895A-38001D762C21}"/>
+              </a:ext>
+            </a:extLst>
+          </p:cNvPr>
+          <p:cNvSpPr>
+            <a:spLocks noGrp="1"/>
+          </p:cNvSpPr>
+          <p:nvPr>
+            <p:ph type="title"/>
+          </p:nvPr>
+        </p:nvSpPr>
+        <p:spPr/>
+        <p:txBody>
+          <a:bodyPr/>
+          <a:lstStyle/>
+          <a:p>
+            <a:r>
+              <a:rPr lang="en-US" dirty="0" err="1"/>
+              <a:t>Cyberduck</a:t>
+            </a:r>
+            <a:endParaRPr lang="en-US" dirty="0"/>
+          </a:p>
+        </p:txBody>
+      </p:sp>
+      <p:sp>
+        <p:nvSpPr>
+          <p:cNvPr id="3" name="Content Placeholder 2">
+            <a:extLst>
+              <a:ext uri="{FF2B5EF4-FFF2-40B4-BE49-F238E27FC236}">
+                <a16:creationId xmlns:a16="http://schemas.microsoft.com/office/drawing/2014/main" id="{565596D6-EF30-9F42-A514-6DC38B58710E}"/>
+              </a:ext>
+            </a:extLst>
+          </p:cNvPr>
+          <p:cNvSpPr>
+            <a:spLocks noGrp="1"/>
+          </p:cNvSpPr>
+          <p:nvPr>
+            <p:ph idx="1"/>
+          </p:nvPr>
+        </p:nvSpPr>
+        <p:spPr>
+          <a:xfrm>
+            <a:off x="457200" y="1524000"/>
+            <a:ext cx="7766050" cy="4259263"/>
+          </a:xfrm>
+        </p:spPr>
+        <p:txBody>
+          <a:bodyPr/>
+          <a:lstStyle/>
+          <a:p>
+            <a:pPr marL="457200" indent="-457200">
+              <a:buFont typeface="Arial" panose="020B0604020202020204" pitchFamily="34" charset="0"/>
+              <a:buChar char="•"/>
+            </a:pPr>
+            <a:r>
+              <a:rPr lang="en-US" sz="2800" dirty="0" err="1"/>
+              <a:t>Cyberduck</a:t>
+            </a:r>
+            <a:r>
+              <a:rPr lang="en-US" sz="2800" dirty="0"/>
+              <a:t> is a graphical file transfer utility</a:t>
+            </a:r>
+          </a:p>
+          <a:p>
+            <a:pPr marL="857250" lvl="1" indent="-457200">
+              <a:buFont typeface="Arial" panose="020B0604020202020204" pitchFamily="34" charset="0"/>
+              <a:buChar char="•"/>
+            </a:pPr>
+            <a:r>
+              <a:rPr lang="en-US" sz="2400" dirty="0"/>
+              <a:t>Get a file from a server</a:t>
+            </a:r>
+          </a:p>
+          <a:p>
+            <a:pPr marL="857250" lvl="1" indent="-457200">
+              <a:buFont typeface="Arial" panose="020B0604020202020204" pitchFamily="34" charset="0"/>
+              <a:buChar char="•"/>
+            </a:pPr>
+            <a:r>
+              <a:rPr lang="en-US" sz="2400" dirty="0"/>
+              <a:t>Put a file on a server</a:t>
+            </a:r>
+          </a:p>
+          <a:p>
+            <a:pPr marL="857250" lvl="1" indent="-457200">
+              <a:buFont typeface="Arial" panose="020B0604020202020204" pitchFamily="34" charset="0"/>
+              <a:buChar char="•"/>
+            </a:pPr>
+            <a:r>
+              <a:rPr lang="en-US" sz="2400" dirty="0"/>
+              <a:t>You can use a different utility if you wish</a:t>
+            </a:r>
+          </a:p>
+          <a:p>
+            <a:pPr marL="857250" lvl="1" indent="-457200">
+              <a:buFont typeface="Arial" panose="020B0604020202020204" pitchFamily="34" charset="0"/>
+              <a:buChar char="•"/>
+            </a:pPr>
+            <a:endParaRPr lang="en-US" sz="2400" dirty="0"/>
+          </a:p>
+          <a:p>
+            <a:pPr marL="457200" indent="-457200">
+              <a:buFont typeface="Arial" panose="020B0604020202020204" pitchFamily="34" charset="0"/>
+              <a:buChar char="•"/>
+            </a:pPr>
+            <a:r>
+              <a:rPr lang="en-US" sz="2800" dirty="0"/>
+              <a:t>We will use this to deploy your web applications on the class server</a:t>
+            </a:r>
+          </a:p>
+          <a:p>
+            <a:pPr marL="857250" lvl="1" indent="-457200">
+              <a:buFont typeface="Arial" panose="020B0604020202020204" pitchFamily="34" charset="0"/>
+              <a:buChar char="•"/>
+            </a:pPr>
+            <a:r>
+              <a:rPr lang="en-US" sz="2000" dirty="0"/>
+              <a:t>You will need SFTP access to </a:t>
+            </a:r>
+            <a:r>
+              <a:rPr lang="en-US" sz="2000" dirty="0" err="1"/>
+              <a:t>itm-vm.shidler.hawaii.edu</a:t>
+            </a:r>
+            <a:r>
+              <a:rPr lang="en-US" sz="2000" dirty="0"/>
+              <a:t>/itm352student</a:t>
+            </a:r>
+          </a:p>
+          <a:p>
+            <a:pPr marL="857250" lvl="1" indent="-457200">
+              <a:buFont typeface="Arial" panose="020B0604020202020204" pitchFamily="34" charset="0"/>
+              <a:buChar char="•"/>
+            </a:pPr>
+            <a:r>
+              <a:rPr lang="en-US" sz="2000" dirty="0"/>
+              <a:t>The instructor will give you the username, password, and port</a:t>
+            </a:r>
+            <a:endParaRPr lang="en-US" sz="2400" dirty="0"/>
+          </a:p>
+        </p:txBody>
+      </p:sp>
+      <p:sp>
+        <p:nvSpPr>
+          <p:cNvPr id="4" name="Rectangle 3">
+            <a:extLst>
+              <a:ext uri="{FF2B5EF4-FFF2-40B4-BE49-F238E27FC236}">
+                <a16:creationId xmlns:a16="http://schemas.microsoft.com/office/drawing/2014/main" id="{BBCB2151-2238-6847-B7E7-5A0A3799804B}"/>
+              </a:ext>
+            </a:extLst>
+          </p:cNvPr>
+          <p:cNvSpPr/>
+          <p:nvPr/>
+        </p:nvSpPr>
+        <p:spPr>
+          <a:xfrm>
+            <a:off x="1524000" y="6167735"/>
+            <a:ext cx="6467430" cy="400110"/>
+          </a:xfrm>
+          <a:prstGeom prst="rect">
+            <a:avLst/>
+          </a:prstGeom>
+        </p:spPr>
+        <p:txBody>
+          <a:bodyPr wrap="square">
+            <a:spAutoFit/>
+          </a:bodyPr>
+          <a:lstStyle/>
+          <a:p>
+            <a:pPr algn="ctr"/>
+            <a:r>
+              <a:rPr lang="en-GB" sz="2000" i="1" dirty="0">
+                <a:solidFill>
+                  <a:schemeClr val="tx1"/>
+                </a:solidFill>
+              </a:rPr>
               <a:t>See About </a:t>
             </a:r>
             <a:r>
@@ -7153,8 +7395,21 @@
                   <a:srgbClr val="FF0000"/>
                 </a:solidFill>
               </a:rPr>
-              <a:t>Do Lab Exercise #4</a:t>
-            </a:r>
+              <a:t>Do Lab </a:t>
+            </a:r>
+            <a:r>
+              <a:rPr lang="en-US">
+                <a:solidFill>
+                  <a:srgbClr val="FF0000"/>
+                </a:solidFill>
+              </a:rPr>
+              <a:t>Exercise #6</a:t>
+            </a:r>
+            <a:endParaRPr lang="en-US" dirty="0">
+              <a:solidFill>
+                <a:srgbClr val="FF0000"/>
+              </a:solidFill>
+            </a:endParaRPr>
           </a:p>
         </p:txBody>
       </p:sp>
@@ -7421,7 +7676,7 @@
         <a:effectLst/>
         <a:extLst>
           <a:ext uri="{AF507438-7753-43e0-B8FC-AC1667EBCBE1}">
-            <a14:hiddenEffects xmlns="" xmlns:a14="http://schemas.microsoft.com/office/drawing/2010/main">
+            <a14:hiddenEffects xmlns:a14="http://schemas.microsoft.com/office/drawing/2010/main" xmlns="">
               <a:effectLst>
                 <a:outerShdw dist="35921" dir="2700000" algn="ctr" rotWithShape="0">
                   <a:schemeClr val="bg2"/>
@@ -7497,7 +7752,7 @@
         <a:effectLst/>
         <a:extLst>
           <a:ext uri="{AF507438-7753-43e0-B8FC-AC1667EBCBE1}">
-            <a14:hiddenEffects xmlns="" xmlns:a14="http://schemas.microsoft.com/office/drawing/2010/main">
+            <a14:hiddenEffects xmlns:a14="http://schemas.microsoft.com/office/drawing/2010/main" xmlns="">
               <a:effectLst>
                 <a:outerShdw dist="35921" dir="2700000" algn="ctr" rotWithShape="0">
                   <a:schemeClr val="bg2"/>
